--- a/Python Numpy - Concepts, Syntax & Mini Projects - Rutgers/Python Numpy.pptx
+++ b/Python Numpy - Concepts, Syntax & Mini Projects - Rutgers/Python Numpy.pptx
@@ -13,6 +13,7 @@
     <p:sldId id="257" r:id="rId7"/>
     <p:sldId id="258" r:id="rId8"/>
     <p:sldId id="259" r:id="rId9"/>
+    <p:sldId id="264" r:id="rId10"/>
   </p:sldIdLst>
   <p:sldSz cx="12192000" cy="6858000"/>
   <p:notesSz cx="6858000" cy="9144000"/>
@@ -111,6 +112,11 @@
       </a:defRPr>
     </a:lvl9pPr>
   </p:defaultTextStyle>
+  <p:extLst>
+    <p:ext uri="{EFAFB233-063F-42B5-8137-9DF3F51BA10A}">
+      <p15:sldGuideLst xmlns:p15="http://schemas.microsoft.com/office/powerpoint/2012/main"/>
+    </p:ext>
+  </p:extLst>
 </p:presentation>
 </file>
 
@@ -446,7 +452,7 @@
             <a:fld id="{B61BEF0D-F0BB-DE4B-95CE-6DB70DBA9567}" type="datetimeFigureOut">
               <a:rPr lang="en-US" dirty="0"/>
               <a:pPr/>
-              <a:t>2/15/2019</a:t>
+              <a:t>3/22/2019</a:t>
             </a:fld>
             <a:endParaRPr lang="en-US" dirty="0"/>
           </a:p>
@@ -767,7 +773,7 @@
             <a:fld id="{B61BEF0D-F0BB-DE4B-95CE-6DB70DBA9567}" type="datetimeFigureOut">
               <a:rPr lang="en-US" dirty="0"/>
               <a:pPr/>
-              <a:t>2/15/2019</a:t>
+              <a:t>3/22/2019</a:t>
             </a:fld>
             <a:endParaRPr lang="en-US" dirty="0"/>
           </a:p>
@@ -1012,7 +1018,7 @@
             <a:fld id="{B61BEF0D-F0BB-DE4B-95CE-6DB70DBA9567}" type="datetimeFigureOut">
               <a:rPr lang="en-US" dirty="0"/>
               <a:pPr/>
-              <a:t>2/15/2019</a:t>
+              <a:t>3/22/2019</a:t>
             </a:fld>
             <a:endParaRPr lang="en-US" dirty="0"/>
           </a:p>
@@ -1348,7 +1354,7 @@
             <a:fld id="{B61BEF0D-F0BB-DE4B-95CE-6DB70DBA9567}" type="datetimeFigureOut">
               <a:rPr lang="en-US" dirty="0"/>
               <a:pPr/>
-              <a:t>2/15/2019</a:t>
+              <a:t>3/22/2019</a:t>
             </a:fld>
             <a:endParaRPr lang="en-US" dirty="0"/>
           </a:p>
@@ -1692,7 +1698,7 @@
             <a:fld id="{B61BEF0D-F0BB-DE4B-95CE-6DB70DBA9567}" type="datetimeFigureOut">
               <a:rPr lang="en-US" dirty="0"/>
               <a:pPr/>
-              <a:t>2/15/2019</a:t>
+              <a:t>3/22/2019</a:t>
             </a:fld>
             <a:endParaRPr lang="en-US" dirty="0"/>
           </a:p>
@@ -2063,7 +2069,7 @@
             <a:fld id="{B61BEF0D-F0BB-DE4B-95CE-6DB70DBA9567}" type="datetimeFigureOut">
               <a:rPr lang="en-US" dirty="0"/>
               <a:pPr/>
-              <a:t>2/15/2019</a:t>
+              <a:t>3/22/2019</a:t>
             </a:fld>
             <a:endParaRPr lang="en-US" dirty="0"/>
           </a:p>
@@ -2530,7 +2536,7 @@
             <a:fld id="{B61BEF0D-F0BB-DE4B-95CE-6DB70DBA9567}" type="datetimeFigureOut">
               <a:rPr lang="en-US" dirty="0"/>
               <a:pPr/>
-              <a:t>2/15/2019</a:t>
+              <a:t>3/22/2019</a:t>
             </a:fld>
             <a:endParaRPr lang="en-US" dirty="0"/>
           </a:p>
@@ -2732,7 +2738,7 @@
             <a:fld id="{B61BEF0D-F0BB-DE4B-95CE-6DB70DBA9567}" type="datetimeFigureOut">
               <a:rPr lang="en-US" dirty="0"/>
               <a:pPr/>
-              <a:t>2/15/2019</a:t>
+              <a:t>3/22/2019</a:t>
             </a:fld>
             <a:endParaRPr lang="en-US" dirty="0"/>
           </a:p>
@@ -2940,7 +2946,7 @@
             <a:fld id="{B61BEF0D-F0BB-DE4B-95CE-6DB70DBA9567}" type="datetimeFigureOut">
               <a:rPr lang="en-US" dirty="0"/>
               <a:pPr/>
-              <a:t>2/15/2019</a:t>
+              <a:t>3/22/2019</a:t>
             </a:fld>
             <a:endParaRPr lang="en-US" dirty="0"/>
           </a:p>
@@ -3168,7 +3174,7 @@
           <a:p>
             <a:fld id="{52647F38-B617-4D2F-AE0A-013F0C4D2C57}" type="datetimeFigureOut">
               <a:rPr lang="en-US" dirty="0"/>
-              <a:t>2/15/2019</a:t>
+              <a:t>3/22/2019</a:t>
             </a:fld>
             <a:endParaRPr lang="en-US" dirty="0"/>
           </a:p>
@@ -3412,7 +3418,7 @@
             <a:fld id="{B61BEF0D-F0BB-DE4B-95CE-6DB70DBA9567}" type="datetimeFigureOut">
               <a:rPr lang="en-US" dirty="0"/>
               <a:pPr/>
-              <a:t>2/15/2019</a:t>
+              <a:t>3/22/2019</a:t>
             </a:fld>
             <a:endParaRPr lang="en-US" dirty="0"/>
           </a:p>
@@ -3706,7 +3712,7 @@
           <a:p>
             <a:fld id="{05BFA754-D5C3-4E66-96A6-867B257F58DC}" type="datetimeFigureOut">
               <a:rPr lang="en-US" dirty="0"/>
-              <a:t>2/15/2019</a:t>
+              <a:t>3/22/2019</a:t>
             </a:fld>
             <a:endParaRPr lang="en-US" dirty="0"/>
           </a:p>
@@ -4096,7 +4102,7 @@
             <a:fld id="{B61BEF0D-F0BB-DE4B-95CE-6DB70DBA9567}" type="datetimeFigureOut">
               <a:rPr lang="en-US" dirty="0"/>
               <a:pPr/>
-              <a:t>2/15/2019</a:t>
+              <a:t>3/22/2019</a:t>
             </a:fld>
             <a:endParaRPr lang="en-US" dirty="0"/>
           </a:p>
@@ -4242,7 +4248,7 @@
             <a:fld id="{B61BEF0D-F0BB-DE4B-95CE-6DB70DBA9567}" type="datetimeFigureOut">
               <a:rPr lang="en-US" dirty="0"/>
               <a:pPr/>
-              <a:t>2/15/2019</a:t>
+              <a:t>3/22/2019</a:t>
             </a:fld>
             <a:endParaRPr lang="en-US" dirty="0"/>
           </a:p>
@@ -4365,7 +4371,7 @@
             <a:fld id="{B61BEF0D-F0BB-DE4B-95CE-6DB70DBA9567}" type="datetimeFigureOut">
               <a:rPr lang="en-US" dirty="0"/>
               <a:pPr/>
-              <a:t>2/15/2019</a:t>
+              <a:t>3/22/2019</a:t>
             </a:fld>
             <a:endParaRPr lang="en-US" dirty="0"/>
           </a:p>
@@ -4617,7 +4623,7 @@
             <a:fld id="{B61BEF0D-F0BB-DE4B-95CE-6DB70DBA9567}" type="datetimeFigureOut">
               <a:rPr lang="en-US" dirty="0"/>
               <a:pPr/>
-              <a:t>2/15/2019</a:t>
+              <a:t>3/22/2019</a:t>
             </a:fld>
             <a:endParaRPr lang="en-US" dirty="0"/>
           </a:p>
@@ -4929,7 +4935,7 @@
             <a:fld id="{B61BEF0D-F0BB-DE4B-95CE-6DB70DBA9567}" type="datetimeFigureOut">
               <a:rPr lang="en-US" dirty="0"/>
               <a:pPr/>
-              <a:t>2/15/2019</a:t>
+              <a:t>3/22/2019</a:t>
             </a:fld>
             <a:endParaRPr lang="en-US" dirty="0"/>
           </a:p>
@@ -5277,7 +5283,7 @@
             <a:fld id="{B61BEF0D-F0BB-DE4B-95CE-6DB70DBA9567}" type="datetimeFigureOut">
               <a:rPr lang="en-US" dirty="0"/>
               <a:pPr/>
-              <a:t>2/15/2019</a:t>
+              <a:t>3/22/2019</a:t>
             </a:fld>
             <a:endParaRPr lang="en-US" dirty="0"/>
           </a:p>
@@ -5863,35 +5869,13 @@
         <p:spPr/>
         <p:txBody>
           <a:bodyPr>
-            <a:normAutofit fontScale="85000" lnSpcReduction="20000"/>
+            <a:normAutofit/>
           </a:bodyPr>
           <a:lstStyle/>
           <a:p>
             <a:r>
               <a:rPr lang="en-US" dirty="0"/>
               <a:t>NumPy is the fundamental package for scientific computing with Python.</a:t>
-            </a:r>
-          </a:p>
-          <a:p>
-            <a:r>
-              <a:rPr lang="en-US" dirty="0">
-                <a:hlinkClick r:id="rId2"/>
-              </a:rPr>
-              <a:t>http://www.numpy.org/</a:t>
-            </a:r>
-            <a:endParaRPr lang="en-US" dirty="0"/>
-          </a:p>
-          <a:p>
-            <a:r>
-              <a:rPr lang="en-US" dirty="0">
-                <a:solidFill>
-                  <a:schemeClr val="accent1">
-                    <a:lumMod val="60000"/>
-                    <a:lumOff val="40000"/>
-                  </a:schemeClr>
-                </a:solidFill>
-              </a:rPr>
-              <a:t>https://docs.scipy.org/doc/numpy/user/basics.creation.html#intrinsic-numpy-array-creation</a:t>
             </a:r>
           </a:p>
           <a:p>
@@ -8917,6 +8901,111 @@
     <p:extLst>
       <p:ext uri="{BB962C8B-B14F-4D97-AF65-F5344CB8AC3E}">
         <p14:creationId xmlns:p14="http://schemas.microsoft.com/office/powerpoint/2010/main" val="2307775752"/>
+      </p:ext>
+    </p:extLst>
+  </p:cSld>
+  <p:clrMapOvr>
+    <a:masterClrMapping/>
+  </p:clrMapOvr>
+</p:sld>
+</file>
+
+<file path=ppt/slides/slide9.xml><?xml version="1.0" encoding="utf-8"?>
+<p:sld xmlns:a="http://schemas.openxmlformats.org/drawingml/2006/main" xmlns:r="http://schemas.openxmlformats.org/officeDocument/2006/relationships" xmlns:p="http://schemas.openxmlformats.org/presentationml/2006/main">
+  <p:cSld>
+    <p:spTree>
+      <p:nvGrpSpPr>
+        <p:cNvPr id="1" name=""/>
+        <p:cNvGrpSpPr/>
+        <p:nvPr/>
+      </p:nvGrpSpPr>
+      <p:grpSpPr>
+        <a:xfrm>
+          <a:off x="0" y="0"/>
+          <a:ext cx="0" cy="0"/>
+          <a:chOff x="0" y="0"/>
+          <a:chExt cx="0" cy="0"/>
+        </a:xfrm>
+      </p:grpSpPr>
+      <p:sp>
+        <p:nvSpPr>
+          <p:cNvPr id="2" name="Title 1">
+            <a:extLst>
+              <a:ext uri="{FF2B5EF4-FFF2-40B4-BE49-F238E27FC236}">
+                <a16:creationId xmlns:a16="http://schemas.microsoft.com/office/drawing/2014/main" id="{04910B9B-7DF2-4044-9B66-90389A2EC0D5}"/>
+              </a:ext>
+            </a:extLst>
+          </p:cNvPr>
+          <p:cNvSpPr>
+            <a:spLocks noGrp="1"/>
+          </p:cNvSpPr>
+          <p:nvPr>
+            <p:ph type="title"/>
+          </p:nvPr>
+        </p:nvSpPr>
+        <p:spPr/>
+        <p:txBody>
+          <a:bodyPr/>
+          <a:lstStyle/>
+          <a:p>
+            <a:r>
+              <a:rPr lang="en-US" dirty="0"/>
+              <a:t>References</a:t>
+            </a:r>
+          </a:p>
+        </p:txBody>
+      </p:sp>
+      <p:sp>
+        <p:nvSpPr>
+          <p:cNvPr id="3" name="Content Placeholder 2">
+            <a:extLst>
+              <a:ext uri="{FF2B5EF4-FFF2-40B4-BE49-F238E27FC236}">
+                <a16:creationId xmlns:a16="http://schemas.microsoft.com/office/drawing/2014/main" id="{08F984FC-C43C-45DB-9E9D-2DB621E01DB9}"/>
+              </a:ext>
+            </a:extLst>
+          </p:cNvPr>
+          <p:cNvSpPr>
+            <a:spLocks noGrp="1"/>
+          </p:cNvSpPr>
+          <p:nvPr>
+            <p:ph idx="1"/>
+          </p:nvPr>
+        </p:nvSpPr>
+        <p:spPr/>
+        <p:txBody>
+          <a:bodyPr/>
+          <a:lstStyle/>
+          <a:p>
+            <a:r>
+              <a:rPr lang="en-US" dirty="0">
+                <a:hlinkClick r:id="rId2"/>
+              </a:rPr>
+              <a:t>http://www.numpy.org/</a:t>
+            </a:r>
+            <a:endParaRPr lang="en-US" dirty="0"/>
+          </a:p>
+          <a:p>
+            <a:r>
+              <a:rPr lang="en-US" dirty="0">
+                <a:solidFill>
+                  <a:schemeClr val="accent1">
+                    <a:lumMod val="60000"/>
+                    <a:lumOff val="40000"/>
+                  </a:schemeClr>
+                </a:solidFill>
+              </a:rPr>
+              <a:t>https://docs.scipy.org/doc/numpy/user/basics.creation.html#intrinsic-numpy-array-creation</a:t>
+            </a:r>
+          </a:p>
+          <a:p>
+            <a:endParaRPr lang="en-US" dirty="0"/>
+          </a:p>
+        </p:txBody>
+      </p:sp>
+    </p:spTree>
+    <p:extLst>
+      <p:ext uri="{BB962C8B-B14F-4D97-AF65-F5344CB8AC3E}">
+        <p14:creationId xmlns:p14="http://schemas.microsoft.com/office/powerpoint/2010/main" val="1961339992"/>
       </p:ext>
     </p:extLst>
   </p:cSld>
